--- a/Documents/RV32 CPU Design - August 27th.pptx
+++ b/Documents/RV32 CPU Design - August 27th.pptx
@@ -5,16 +5,15 @@
     <p:sldMasterId id="2147483732" r:id="rId1"/>
   </p:sldMasterIdLst>
   <p:notesMasterIdLst>
-    <p:notesMasterId r:id="rId9"/>
+    <p:notesMasterId r:id="rId8"/>
   </p:notesMasterIdLst>
   <p:sldIdLst>
     <p:sldId id="256" r:id="rId2"/>
-    <p:sldId id="268" r:id="rId3"/>
-    <p:sldId id="265" r:id="rId4"/>
-    <p:sldId id="266" r:id="rId5"/>
-    <p:sldId id="267" r:id="rId6"/>
-    <p:sldId id="257" r:id="rId7"/>
-    <p:sldId id="264" r:id="rId8"/>
+    <p:sldId id="265" r:id="rId3"/>
+    <p:sldId id="266" r:id="rId4"/>
+    <p:sldId id="267" r:id="rId5"/>
+    <p:sldId id="257" r:id="rId6"/>
+    <p:sldId id="264" r:id="rId7"/>
   </p:sldIdLst>
   <p:sldSz cx="9144000" cy="6858000" type="screen4x3"/>
   <p:notesSz cx="6797675" cy="9928225"/>
@@ -203,7 +202,7 @@
           <a:p>
             <a:fld id="{7669A4C7-5804-4C88-BE22-0C4427C3590B}" type="datetimeFigureOut">
               <a:rPr lang="en-US" smtClean="0"/>
-              <a:t>8/25/2023</a:t>
+              <a:t>8/26/2023</a:t>
             </a:fld>
             <a:endParaRPr lang="en-US"/>
           </a:p>
@@ -602,7 +601,7 @@
           <a:p>
             <a:fld id="{7DA67B53-14FD-401E-937A-02A387E76FC7}" type="datetime1">
               <a:rPr lang="en-US" smtClean="0"/>
-              <a:t>8/25/2023</a:t>
+              <a:t>8/26/2023</a:t>
             </a:fld>
             <a:endParaRPr lang="en-US"/>
           </a:p>
@@ -772,7 +771,7 @@
           <a:p>
             <a:fld id="{F545342A-6801-498B-8DCD-ECEF7FA84649}" type="datetime1">
               <a:rPr lang="en-US" smtClean="0"/>
-              <a:t>8/25/2023</a:t>
+              <a:t>8/26/2023</a:t>
             </a:fld>
             <a:endParaRPr lang="en-US"/>
           </a:p>
@@ -952,7 +951,7 @@
           <a:p>
             <a:fld id="{9D6303E2-CED2-43B8-8B8B-96AB17B6E689}" type="datetime1">
               <a:rPr lang="en-US" smtClean="0"/>
-              <a:t>8/25/2023</a:t>
+              <a:t>8/26/2023</a:t>
             </a:fld>
             <a:endParaRPr lang="en-US"/>
           </a:p>
@@ -1122,7 +1121,7 @@
           <a:p>
             <a:fld id="{5DB4B118-03A4-4F47-A289-6AE283DD0F52}" type="datetime1">
               <a:rPr lang="en-US" smtClean="0"/>
-              <a:t>8/25/2023</a:t>
+              <a:t>8/26/2023</a:t>
             </a:fld>
             <a:endParaRPr lang="en-US"/>
           </a:p>
@@ -1366,7 +1365,7 @@
           <a:p>
             <a:fld id="{542C2FAD-9513-4FA6-B386-3D285524CC92}" type="datetime1">
               <a:rPr lang="en-US" smtClean="0"/>
-              <a:t>8/25/2023</a:t>
+              <a:t>8/26/2023</a:t>
             </a:fld>
             <a:endParaRPr lang="en-US"/>
           </a:p>
@@ -1598,7 +1597,7 @@
           <a:p>
             <a:fld id="{A3CC088C-722A-45F0-B2F6-0EF8AC1CE7A2}" type="datetime1">
               <a:rPr lang="en-US" smtClean="0"/>
-              <a:t>8/25/2023</a:t>
+              <a:t>8/26/2023</a:t>
             </a:fld>
             <a:endParaRPr lang="en-US"/>
           </a:p>
@@ -1965,7 +1964,7 @@
           <a:p>
             <a:fld id="{6CB689DC-8DE7-406E-BC6D-647F26CF13E6}" type="datetime1">
               <a:rPr lang="en-US" smtClean="0"/>
-              <a:t>8/25/2023</a:t>
+              <a:t>8/26/2023</a:t>
             </a:fld>
             <a:endParaRPr lang="en-US"/>
           </a:p>
@@ -2083,7 +2082,7 @@
           <a:p>
             <a:fld id="{9888FC5C-E41A-49E8-A3B3-BB25F2C72DD2}" type="datetime1">
               <a:rPr lang="en-US" smtClean="0"/>
-              <a:t>8/25/2023</a:t>
+              <a:t>8/26/2023</a:t>
             </a:fld>
             <a:endParaRPr lang="en-US"/>
           </a:p>
@@ -2178,7 +2177,7 @@
           <a:p>
             <a:fld id="{C4CDF942-E420-488C-8E4E-8793FADA640D}" type="datetime1">
               <a:rPr lang="en-US" smtClean="0"/>
-              <a:t>8/25/2023</a:t>
+              <a:t>8/26/2023</a:t>
             </a:fld>
             <a:endParaRPr lang="en-US"/>
           </a:p>
@@ -2455,7 +2454,7 @@
           <a:p>
             <a:fld id="{21B24E19-3B75-4867-B13C-60E93ABEB35F}" type="datetime1">
               <a:rPr lang="en-US" smtClean="0"/>
-              <a:t>8/25/2023</a:t>
+              <a:t>8/26/2023</a:t>
             </a:fld>
             <a:endParaRPr lang="en-US"/>
           </a:p>
@@ -2712,7 +2711,7 @@
           <a:p>
             <a:fld id="{EDF3A1B6-2238-42C9-9485-9BE52BF25972}" type="datetime1">
               <a:rPr lang="en-US" smtClean="0"/>
-              <a:t>8/25/2023</a:t>
+              <a:t>8/26/2023</a:t>
             </a:fld>
             <a:endParaRPr lang="en-US"/>
           </a:p>
@@ -2925,7 +2924,7 @@
           <a:p>
             <a:fld id="{5DA4BC38-6E08-4B57-BCAC-519D639A32AE}" type="datetime1">
               <a:rPr lang="en-US" smtClean="0"/>
-              <a:t>8/25/2023</a:t>
+              <a:t>8/26/2023</a:t>
             </a:fld>
             <a:endParaRPr lang="en-US"/>
           </a:p>
@@ -3637,320 +3636,6 @@
         </p:nvSpPr>
         <p:spPr>
           <a:xfrm>
-            <a:off x="1591451" y="224153"/>
-            <a:ext cx="5942652" cy="892552"/>
-          </a:xfrm>
-          <a:prstGeom prst="rect">
-            <a:avLst/>
-          </a:prstGeom>
-          <a:noFill/>
-        </p:spPr>
-        <p:txBody>
-          <a:bodyPr wrap="none" rtlCol="0">
-            <a:spAutoFit/>
-          </a:bodyPr>
-          <a:lstStyle/>
-          <a:p>
-            <a:pPr marR="31928" algn="ctr"/>
-            <a:r>
-              <a:rPr lang="en-US" sz="3200" dirty="0">
-                <a:latin typeface="Times New Roman" panose="02020603050405020304" pitchFamily="18" charset="0"/>
-                <a:cs typeface="Times New Roman" panose="02020603050405020304" pitchFamily="18" charset="0"/>
-              </a:rPr>
-              <a:t>32</a:t>
-            </a:r>
-            <a:r>
-              <a:rPr lang="en-US" sz="3200" dirty="0">
-                <a:latin typeface="Georgia" panose="02040502050405020303" pitchFamily="18" charset="0"/>
-              </a:rPr>
-              <a:t>-bit RISC-V CPU Design</a:t>
-            </a:r>
-          </a:p>
-          <a:p>
-            <a:pPr marR="31928" algn="ctr"/>
-            <a:r>
-              <a:rPr lang="en-US" sz="2000" dirty="0">
-                <a:latin typeface="Georgia" panose="02040502050405020303" pitchFamily="18" charset="0"/>
-              </a:rPr>
-              <a:t>Review and discussion session – August </a:t>
-            </a:r>
-            <a:r>
-              <a:rPr lang="en-US" sz="2000" dirty="0" smtClean="0">
-                <a:latin typeface="Georgia" panose="02040502050405020303" pitchFamily="18" charset="0"/>
-              </a:rPr>
-              <a:t>27</a:t>
-            </a:r>
-            <a:r>
-              <a:rPr lang="en-US" sz="2000" baseline="30000" dirty="0" smtClean="0">
-                <a:latin typeface="Georgia" panose="02040502050405020303" pitchFamily="18" charset="0"/>
-              </a:rPr>
-              <a:t>th</a:t>
-            </a:r>
-            <a:r>
-              <a:rPr lang="en-US" sz="2000" dirty="0" smtClean="0">
-                <a:latin typeface="Georgia" panose="02040502050405020303" pitchFamily="18" charset="0"/>
-              </a:rPr>
-              <a:t> </a:t>
-            </a:r>
-            <a:r>
-              <a:rPr lang="en-US" sz="2000" dirty="0">
-                <a:latin typeface="Georgia" panose="02040502050405020303" pitchFamily="18" charset="0"/>
-              </a:rPr>
-              <a:t>2023 </a:t>
-            </a:r>
-            <a:endParaRPr lang="en-US" sz="2000" dirty="0"/>
-          </a:p>
-        </p:txBody>
-      </p:sp>
-      <p:sp>
-        <p:nvSpPr>
-          <p:cNvPr id="32" name="Slide Number Placeholder 31"/>
-          <p:cNvSpPr>
-            <a:spLocks noGrp="1"/>
-          </p:cNvSpPr>
-          <p:nvPr>
-            <p:ph type="sldNum" sz="quarter" idx="12"/>
-          </p:nvPr>
-        </p:nvSpPr>
-        <p:spPr/>
-        <p:txBody>
-          <a:bodyPr/>
-          <a:lstStyle/>
-          <a:p>
-            <a:fld id="{696F51C8-3F47-4C8E-A886-AF1F2AEAD5E5}" type="slidenum">
-              <a:rPr lang="en-US" smtClean="0"/>
-              <a:t>2</a:t>
-            </a:fld>
-            <a:endParaRPr lang="en-US"/>
-          </a:p>
-        </p:txBody>
-      </p:sp>
-      <p:pic>
-        <p:nvPicPr>
-          <p:cNvPr id="2" name="Picture 1"/>
-          <p:cNvPicPr>
-            <a:picLocks noChangeAspect="1"/>
-          </p:cNvPicPr>
-          <p:nvPr/>
-        </p:nvPicPr>
-        <p:blipFill rotWithShape="1">
-          <a:blip r:embed="rId2" cstate="print">
-            <a:extLst>
-              <a:ext uri="{BEBA8EAE-BF5A-486C-A8C5-ECC9F3942E4B}">
-                <a14:imgProps xmlns:a14="http://schemas.microsoft.com/office/drawing/2010/main">
-                  <a14:imgLayer r:embed="rId3">
-                    <a14:imgEffect>
-                      <a14:sharpenSoften amount="50000"/>
-                    </a14:imgEffect>
-                    <a14:imgEffect>
-                      <a14:brightnessContrast bright="20000"/>
-                    </a14:imgEffect>
-                  </a14:imgLayer>
-                </a14:imgProps>
-              </a:ext>
-              <a:ext uri="{28A0092B-C50C-407E-A947-70E740481C1C}">
-                <a14:useLocalDpi xmlns:a14="http://schemas.microsoft.com/office/drawing/2010/main" val="0"/>
-              </a:ext>
-            </a:extLst>
-          </a:blip>
-          <a:srcRect l="1717" b="2225"/>
-          <a:stretch/>
-        </p:blipFill>
-        <p:spPr>
-          <a:xfrm>
-            <a:off x="0" y="1473200"/>
-            <a:ext cx="9120179" cy="4752577"/>
-          </a:xfrm>
-          <a:prstGeom prst="rect">
-            <a:avLst/>
-          </a:prstGeom>
-        </p:spPr>
-      </p:pic>
-      <p:cxnSp>
-        <p:nvCxnSpPr>
-          <p:cNvPr id="4" name="Straight Connector 3"/>
-          <p:cNvCxnSpPr/>
-          <p:nvPr/>
-        </p:nvCxnSpPr>
-        <p:spPr>
-          <a:xfrm flipH="1">
-            <a:off x="1998133" y="1473200"/>
-            <a:ext cx="76200" cy="4752577"/>
-          </a:xfrm>
-          <a:prstGeom prst="line">
-            <a:avLst/>
-          </a:prstGeom>
-          <a:ln w="28575">
-            <a:solidFill>
-              <a:srgbClr val="FF0000"/>
-            </a:solidFill>
-          </a:ln>
-        </p:spPr>
-        <p:style>
-          <a:lnRef idx="1">
-            <a:schemeClr val="accent1"/>
-          </a:lnRef>
-          <a:fillRef idx="0">
-            <a:schemeClr val="accent1"/>
-          </a:fillRef>
-          <a:effectRef idx="0">
-            <a:schemeClr val="accent1"/>
-          </a:effectRef>
-          <a:fontRef idx="minor">
-            <a:schemeClr val="tx1"/>
-          </a:fontRef>
-        </p:style>
-      </p:cxnSp>
-      <p:cxnSp>
-        <p:nvCxnSpPr>
-          <p:cNvPr id="8" name="Straight Connector 7"/>
-          <p:cNvCxnSpPr/>
-          <p:nvPr/>
-        </p:nvCxnSpPr>
-        <p:spPr>
-          <a:xfrm flipH="1">
-            <a:off x="4438651" y="1473200"/>
-            <a:ext cx="34398" cy="4752577"/>
-          </a:xfrm>
-          <a:prstGeom prst="line">
-            <a:avLst/>
-          </a:prstGeom>
-          <a:ln w="28575">
-            <a:solidFill>
-              <a:srgbClr val="FF0000"/>
-            </a:solidFill>
-          </a:ln>
-        </p:spPr>
-        <p:style>
-          <a:lnRef idx="1">
-            <a:schemeClr val="accent1"/>
-          </a:lnRef>
-          <a:fillRef idx="0">
-            <a:schemeClr val="accent1"/>
-          </a:fillRef>
-          <a:effectRef idx="0">
-            <a:schemeClr val="accent1"/>
-          </a:effectRef>
-          <a:fontRef idx="minor">
-            <a:schemeClr val="tx1"/>
-          </a:fontRef>
-        </p:style>
-      </p:cxnSp>
-      <p:cxnSp>
-        <p:nvCxnSpPr>
-          <p:cNvPr id="10" name="Straight Connector 9"/>
-          <p:cNvCxnSpPr/>
-          <p:nvPr/>
-        </p:nvCxnSpPr>
-        <p:spPr>
-          <a:xfrm>
-            <a:off x="6837367" y="1473200"/>
-            <a:ext cx="25116" cy="4748095"/>
-          </a:xfrm>
-          <a:prstGeom prst="line">
-            <a:avLst/>
-          </a:prstGeom>
-          <a:ln w="28575">
-            <a:solidFill>
-              <a:srgbClr val="FF0000"/>
-            </a:solidFill>
-          </a:ln>
-        </p:spPr>
-        <p:style>
-          <a:lnRef idx="1">
-            <a:schemeClr val="accent1"/>
-          </a:lnRef>
-          <a:fillRef idx="0">
-            <a:schemeClr val="accent1"/>
-          </a:fillRef>
-          <a:effectRef idx="0">
-            <a:schemeClr val="accent1"/>
-          </a:effectRef>
-          <a:fontRef idx="minor">
-            <a:schemeClr val="tx1"/>
-          </a:fontRef>
-        </p:style>
-      </p:cxnSp>
-      <p:cxnSp>
-        <p:nvCxnSpPr>
-          <p:cNvPr id="12" name="Straight Connector 11"/>
-          <p:cNvCxnSpPr/>
-          <p:nvPr/>
-        </p:nvCxnSpPr>
-        <p:spPr>
-          <a:xfrm>
-            <a:off x="8077200" y="1537855"/>
-            <a:ext cx="9525" cy="4683440"/>
-          </a:xfrm>
-          <a:prstGeom prst="line">
-            <a:avLst/>
-          </a:prstGeom>
-          <a:ln w="28575">
-            <a:solidFill>
-              <a:srgbClr val="FF0000"/>
-            </a:solidFill>
-          </a:ln>
-        </p:spPr>
-        <p:style>
-          <a:lnRef idx="1">
-            <a:schemeClr val="accent1"/>
-          </a:lnRef>
-          <a:fillRef idx="0">
-            <a:schemeClr val="accent1"/>
-          </a:fillRef>
-          <a:effectRef idx="0">
-            <a:schemeClr val="accent1"/>
-          </a:effectRef>
-          <a:fontRef idx="minor">
-            <a:schemeClr val="tx1"/>
-          </a:fontRef>
-        </p:style>
-      </p:cxnSp>
-    </p:spTree>
-    <p:extLst>
-      <p:ext uri="{BB962C8B-B14F-4D97-AF65-F5344CB8AC3E}">
-        <p14:creationId xmlns:p14="http://schemas.microsoft.com/office/powerpoint/2010/main" val="206167550"/>
-      </p:ext>
-    </p:extLst>
-  </p:cSld>
-  <p:clrMapOvr>
-    <a:masterClrMapping/>
-  </p:clrMapOvr>
-  <p:timing>
-    <p:tnLst>
-      <p:par>
-        <p:cTn id="1" dur="indefinite" restart="never" nodeType="tmRoot"/>
-      </p:par>
-    </p:tnLst>
-  </p:timing>
-</p:sld>
-</file>
-
-<file path=ppt/slides/slide3.xml><?xml version="1.0" encoding="utf-8"?>
-<p:sld xmlns:a="http://schemas.openxmlformats.org/drawingml/2006/main" xmlns:r="http://schemas.openxmlformats.org/officeDocument/2006/relationships" xmlns:p="http://schemas.openxmlformats.org/presentationml/2006/main">
-  <p:cSld>
-    <p:spTree>
-      <p:nvGrpSpPr>
-        <p:cNvPr id="1" name=""/>
-        <p:cNvGrpSpPr/>
-        <p:nvPr/>
-      </p:nvGrpSpPr>
-      <p:grpSpPr>
-        <a:xfrm>
-          <a:off x="0" y="0"/>
-          <a:ext cx="0" cy="0"/>
-          <a:chOff x="0" y="0"/>
-          <a:chExt cx="0" cy="0"/>
-        </a:xfrm>
-      </p:grpSpPr>
-      <p:sp>
-        <p:nvSpPr>
-          <p:cNvPr id="16" name="TextBox 15"/>
-          <p:cNvSpPr txBox="1"/>
-          <p:nvPr/>
-        </p:nvSpPr>
-        <p:spPr>
-          <a:xfrm>
             <a:off x="592160" y="535112"/>
             <a:ext cx="2746265" cy="369332"/>
           </a:xfrm>
@@ -3996,7 +3681,7 @@
           <a:p>
             <a:fld id="{696F51C8-3F47-4C8E-A886-AF1F2AEAD5E5}" type="slidenum">
               <a:rPr lang="en-US" smtClean="0"/>
-              <a:t>3</a:t>
+              <a:t>2</a:t>
             </a:fld>
             <a:endParaRPr lang="en-US"/>
           </a:p>
@@ -6554,7 +6239,7 @@
 </p:sld>
 </file>
 
-<file path=ppt/slides/slide4.xml><?xml version="1.0" encoding="utf-8"?>
+<file path=ppt/slides/slide3.xml><?xml version="1.0" encoding="utf-8"?>
 <p:sld xmlns:a="http://schemas.openxmlformats.org/drawingml/2006/main" xmlns:r="http://schemas.openxmlformats.org/officeDocument/2006/relationships" xmlns:p="http://schemas.openxmlformats.org/presentationml/2006/main">
   <p:cSld>
     <p:spTree>
@@ -6624,7 +6309,7 @@
           <a:p>
             <a:fld id="{696F51C8-3F47-4C8E-A886-AF1F2AEAD5E5}" type="slidenum">
               <a:rPr lang="en-US" smtClean="0"/>
-              <a:t>4</a:t>
+              <a:t>3</a:t>
             </a:fld>
             <a:endParaRPr lang="en-US"/>
           </a:p>
@@ -7501,7 +7186,7 @@
 </p:sld>
 </file>
 
-<file path=ppt/slides/slide5.xml><?xml version="1.0" encoding="utf-8"?>
+<file path=ppt/slides/slide4.xml><?xml version="1.0" encoding="utf-8"?>
 <p:sld xmlns:a="http://schemas.openxmlformats.org/drawingml/2006/main" xmlns:r="http://schemas.openxmlformats.org/officeDocument/2006/relationships" xmlns:p="http://schemas.openxmlformats.org/presentationml/2006/main">
   <p:cSld>
     <p:spTree>
@@ -7571,7 +7256,7 @@
           <a:p>
             <a:fld id="{696F51C8-3F47-4C8E-A886-AF1F2AEAD5E5}" type="slidenum">
               <a:rPr lang="en-US" smtClean="0"/>
-              <a:t>5</a:t>
+              <a:t>4</a:t>
             </a:fld>
             <a:endParaRPr lang="en-US"/>
           </a:p>
@@ -8658,7 +8343,7 @@
 </p:sld>
 </file>
 
-<file path=ppt/slides/slide6.xml><?xml version="1.0" encoding="utf-8"?>
+<file path=ppt/slides/slide5.xml><?xml version="1.0" encoding="utf-8"?>
 <p:sld xmlns:a="http://schemas.openxmlformats.org/drawingml/2006/main" xmlns:r="http://schemas.openxmlformats.org/officeDocument/2006/relationships" xmlns:p="http://schemas.openxmlformats.org/presentationml/2006/main">
   <p:cSld>
     <p:spTree>
@@ -8692,7 +8377,7 @@
           <a:p>
             <a:fld id="{696F51C8-3F47-4C8E-A886-AF1F2AEAD5E5}" type="slidenum">
               <a:rPr lang="en-US" smtClean="0"/>
-              <a:t>6</a:t>
+              <a:t>5</a:t>
             </a:fld>
             <a:endParaRPr lang="en-US"/>
           </a:p>
@@ -10381,7 +10066,7 @@
 </p:sld>
 </file>
 
-<file path=ppt/slides/slide7.xml><?xml version="1.0" encoding="utf-8"?>
+<file path=ppt/slides/slide6.xml><?xml version="1.0" encoding="utf-8"?>
 <p:sld xmlns:a="http://schemas.openxmlformats.org/drawingml/2006/main" xmlns:r="http://schemas.openxmlformats.org/officeDocument/2006/relationships" xmlns:p="http://schemas.openxmlformats.org/presentationml/2006/main">
   <p:cSld>
     <p:spTree>
@@ -10415,7 +10100,7 @@
           <a:p>
             <a:fld id="{696F51C8-3F47-4C8E-A886-AF1F2AEAD5E5}" type="slidenum">
               <a:rPr lang="en-US" smtClean="0"/>
-              <a:t>7</a:t>
+              <a:t>6</a:t>
             </a:fld>
             <a:endParaRPr lang="en-US"/>
           </a:p>
@@ -10611,8 +10296,8 @@
         </p:nvSpPr>
         <p:spPr>
           <a:xfrm>
-            <a:off x="1228720" y="4140360"/>
-            <a:ext cx="6418989" cy="2215991"/>
+            <a:off x="1228720" y="4029524"/>
+            <a:ext cx="6418989" cy="2400657"/>
           </a:xfrm>
           <a:prstGeom prst="rect">
             <a:avLst/>
@@ -10630,7 +10315,13 @@
               <a:rPr lang="en-US" sz="1800" dirty="0" smtClean="0">
                 <a:latin typeface="Georgia" panose="02040502050405020303" pitchFamily="18" charset="0"/>
               </a:rPr>
-              <a:t>Issues:</a:t>
+              <a:t>Issues</a:t>
+            </a:r>
+            <a:r>
+              <a:rPr lang="en-US" sz="1800" dirty="0" smtClean="0">
+                <a:latin typeface="Georgia" panose="02040502050405020303" pitchFamily="18" charset="0"/>
+              </a:rPr>
+              <a:t>:</a:t>
             </a:r>
           </a:p>
           <a:p>
@@ -10642,8 +10333,17 @@
               <a:rPr lang="en-US" sz="1600" dirty="0" smtClean="0">
                 <a:latin typeface="Georgia" panose="02040502050405020303" pitchFamily="18" charset="0"/>
               </a:rPr>
-              <a:t>Standard synthetize and time analyze tool</a:t>
-            </a:r>
+              <a:t>Memory management system</a:t>
+            </a:r>
+            <a:endParaRPr lang="en-US" sz="1600" dirty="0">
+              <a:latin typeface="Georgia" panose="02040502050405020303" pitchFamily="18" charset="0"/>
+            </a:endParaRPr>
+          </a:p>
+          <a:p>
+            <a:pPr marR="31928" algn="just"/>
+            <a:endParaRPr lang="en-US" sz="1800" dirty="0" smtClean="0">
+              <a:latin typeface="Georgia" panose="02040502050405020303" pitchFamily="18" charset="0"/>
+            </a:endParaRPr>
           </a:p>
           <a:p>
             <a:pPr marL="285750" marR="31928" indent="-285750" algn="just">
@@ -10654,7 +10354,7 @@
               <a:rPr lang="en-US" sz="1600" dirty="0" smtClean="0">
                 <a:latin typeface="Georgia" panose="02040502050405020303" pitchFamily="18" charset="0"/>
               </a:rPr>
-              <a:t>Siliconcompiler out of reach (remote run not supported anymore)</a:t>
+              <a:t>Standard synthetize and time analyze tool</a:t>
             </a:r>
           </a:p>
           <a:p>
@@ -10666,6 +10366,18 @@
               <a:rPr lang="en-US" sz="1600" dirty="0" smtClean="0">
                 <a:latin typeface="Georgia" panose="02040502050405020303" pitchFamily="18" charset="0"/>
               </a:rPr>
+              <a:t>Siliconcompiler out of reach (remote run not supported anymore)</a:t>
+            </a:r>
+          </a:p>
+          <a:p>
+            <a:pPr marL="285750" marR="31928" indent="-285750" algn="just">
+              <a:buFont typeface="Arial" panose="020B0604020202020204" pitchFamily="34" charset="0"/>
+              <a:buChar char="•"/>
+            </a:pPr>
+            <a:r>
+              <a:rPr lang="en-US" sz="1600" dirty="0" smtClean="0">
+                <a:latin typeface="Georgia" panose="02040502050405020303" pitchFamily="18" charset="0"/>
+              </a:rPr>
               <a:t>Skywater130 and Nangate45 out of reach</a:t>
             </a:r>
           </a:p>
@@ -10702,14 +10414,14 @@
               <a:rPr lang="en-US" sz="1600" dirty="0" smtClean="0">
                 <a:latin typeface="Georgia" panose="02040502050405020303" pitchFamily="18" charset="0"/>
               </a:rPr>
-              <a:t>Standard: Cadence, Synopsys</a:t>
-            </a:r>
-          </a:p>
-          <a:p>
-            <a:pPr marR="31928" algn="just"/>
-            <a:endParaRPr lang="en-US" sz="2400" dirty="0">
-              <a:latin typeface="Georgia" panose="02040502050405020303" pitchFamily="18" charset="0"/>
-            </a:endParaRPr>
+              <a:t>Standard: Cadence, </a:t>
+            </a:r>
+            <a:r>
+              <a:rPr lang="en-US" sz="1600" dirty="0" smtClean="0">
+                <a:latin typeface="Georgia" panose="02040502050405020303" pitchFamily="18" charset="0"/>
+              </a:rPr>
+              <a:t>Synopsys</a:t>
+            </a:r>
           </a:p>
         </p:txBody>
       </p:sp>

--- a/Documents/RV32 CPU Design - August 27th.pptx
+++ b/Documents/RV32 CPU Design - August 27th.pptx
@@ -10315,13 +10315,7 @@
               <a:rPr lang="en-US" sz="1800" dirty="0" smtClean="0">
                 <a:latin typeface="Georgia" panose="02040502050405020303" pitchFamily="18" charset="0"/>
               </a:rPr>
-              <a:t>Issues</a:t>
-            </a:r>
-            <a:r>
-              <a:rPr lang="en-US" sz="1800" dirty="0" smtClean="0">
-                <a:latin typeface="Georgia" panose="02040502050405020303" pitchFamily="18" charset="0"/>
-              </a:rPr>
-              <a:t>:</a:t>
+              <a:t>Issues:</a:t>
             </a:r>
           </a:p>
           <a:p>
@@ -10402,7 +10396,26 @@
               <a:rPr lang="en-US" sz="1600" dirty="0" smtClean="0">
                 <a:latin typeface="Georgia" panose="02040502050405020303" pitchFamily="18" charset="0"/>
               </a:rPr>
-              <a:t>Non-standard technology (usu0.018)</a:t>
+              <a:t>Non-standard technology </a:t>
+            </a:r>
+            <a:r>
+              <a:rPr lang="en-US" sz="1600" dirty="0" smtClean="0">
+                <a:latin typeface="Georgia" panose="02040502050405020303" pitchFamily="18" charset="0"/>
+              </a:rPr>
+              <a:t>(osu</a:t>
+            </a:r>
+            <a:r>
+              <a:rPr lang="en-US" sz="1600" dirty="0" smtClean="0">
+                <a:latin typeface="Times New Roman" panose="02020603050405020304" pitchFamily="18" charset="0"/>
+                <a:cs typeface="Times New Roman" panose="02020603050405020304" pitchFamily="18" charset="0"/>
+              </a:rPr>
+              <a:t>018</a:t>
+            </a:r>
+            <a:r>
+              <a:rPr lang="en-US" sz="1600" dirty="0" smtClean="0">
+                <a:latin typeface="Georgia" panose="02040502050405020303" pitchFamily="18" charset="0"/>
+              </a:rPr>
+              <a:t>)</a:t>
             </a:r>
           </a:p>
           <a:p>
@@ -10414,13 +10427,7 @@
               <a:rPr lang="en-US" sz="1600" dirty="0" smtClean="0">
                 <a:latin typeface="Georgia" panose="02040502050405020303" pitchFamily="18" charset="0"/>
               </a:rPr>
-              <a:t>Standard: Cadence, </a:t>
-            </a:r>
-            <a:r>
-              <a:rPr lang="en-US" sz="1600" dirty="0" smtClean="0">
-                <a:latin typeface="Georgia" panose="02040502050405020303" pitchFamily="18" charset="0"/>
-              </a:rPr>
-              <a:t>Synopsys</a:t>
+              <a:t>Standard: Cadence, Synopsys</a:t>
             </a:r>
           </a:p>
         </p:txBody>

--- a/Documents/RV32 CPU Design - August 27th.pptx
+++ b/Documents/RV32 CPU Design - August 27th.pptx
@@ -202,7 +202,7 @@
           <a:p>
             <a:fld id="{7669A4C7-5804-4C88-BE22-0C4427C3590B}" type="datetimeFigureOut">
               <a:rPr lang="en-US" smtClean="0"/>
-              <a:t>8/26/2023</a:t>
+              <a:t>8/27/2023</a:t>
             </a:fld>
             <a:endParaRPr lang="en-US"/>
           </a:p>
@@ -601,7 +601,7 @@
           <a:p>
             <a:fld id="{7DA67B53-14FD-401E-937A-02A387E76FC7}" type="datetime1">
               <a:rPr lang="en-US" smtClean="0"/>
-              <a:t>8/26/2023</a:t>
+              <a:t>8/27/2023</a:t>
             </a:fld>
             <a:endParaRPr lang="en-US"/>
           </a:p>
@@ -771,7 +771,7 @@
           <a:p>
             <a:fld id="{F545342A-6801-498B-8DCD-ECEF7FA84649}" type="datetime1">
               <a:rPr lang="en-US" smtClean="0"/>
-              <a:t>8/26/2023</a:t>
+              <a:t>8/27/2023</a:t>
             </a:fld>
             <a:endParaRPr lang="en-US"/>
           </a:p>
@@ -951,7 +951,7 @@
           <a:p>
             <a:fld id="{9D6303E2-CED2-43B8-8B8B-96AB17B6E689}" type="datetime1">
               <a:rPr lang="en-US" smtClean="0"/>
-              <a:t>8/26/2023</a:t>
+              <a:t>8/27/2023</a:t>
             </a:fld>
             <a:endParaRPr lang="en-US"/>
           </a:p>
@@ -1121,7 +1121,7 @@
           <a:p>
             <a:fld id="{5DB4B118-03A4-4F47-A289-6AE283DD0F52}" type="datetime1">
               <a:rPr lang="en-US" smtClean="0"/>
-              <a:t>8/26/2023</a:t>
+              <a:t>8/27/2023</a:t>
             </a:fld>
             <a:endParaRPr lang="en-US"/>
           </a:p>
@@ -1365,7 +1365,7 @@
           <a:p>
             <a:fld id="{542C2FAD-9513-4FA6-B386-3D285524CC92}" type="datetime1">
               <a:rPr lang="en-US" smtClean="0"/>
-              <a:t>8/26/2023</a:t>
+              <a:t>8/27/2023</a:t>
             </a:fld>
             <a:endParaRPr lang="en-US"/>
           </a:p>
@@ -1597,7 +1597,7 @@
           <a:p>
             <a:fld id="{A3CC088C-722A-45F0-B2F6-0EF8AC1CE7A2}" type="datetime1">
               <a:rPr lang="en-US" smtClean="0"/>
-              <a:t>8/26/2023</a:t>
+              <a:t>8/27/2023</a:t>
             </a:fld>
             <a:endParaRPr lang="en-US"/>
           </a:p>
@@ -1964,7 +1964,7 @@
           <a:p>
             <a:fld id="{6CB689DC-8DE7-406E-BC6D-647F26CF13E6}" type="datetime1">
               <a:rPr lang="en-US" smtClean="0"/>
-              <a:t>8/26/2023</a:t>
+              <a:t>8/27/2023</a:t>
             </a:fld>
             <a:endParaRPr lang="en-US"/>
           </a:p>
@@ -2082,7 +2082,7 @@
           <a:p>
             <a:fld id="{9888FC5C-E41A-49E8-A3B3-BB25F2C72DD2}" type="datetime1">
               <a:rPr lang="en-US" smtClean="0"/>
-              <a:t>8/26/2023</a:t>
+              <a:t>8/27/2023</a:t>
             </a:fld>
             <a:endParaRPr lang="en-US"/>
           </a:p>
@@ -2177,7 +2177,7 @@
           <a:p>
             <a:fld id="{C4CDF942-E420-488C-8E4E-8793FADA640D}" type="datetime1">
               <a:rPr lang="en-US" smtClean="0"/>
-              <a:t>8/26/2023</a:t>
+              <a:t>8/27/2023</a:t>
             </a:fld>
             <a:endParaRPr lang="en-US"/>
           </a:p>
@@ -2454,7 +2454,7 @@
           <a:p>
             <a:fld id="{21B24E19-3B75-4867-B13C-60E93ABEB35F}" type="datetime1">
               <a:rPr lang="en-US" smtClean="0"/>
-              <a:t>8/26/2023</a:t>
+              <a:t>8/27/2023</a:t>
             </a:fld>
             <a:endParaRPr lang="en-US"/>
           </a:p>
@@ -2711,7 +2711,7 @@
           <a:p>
             <a:fld id="{EDF3A1B6-2238-42C9-9485-9BE52BF25972}" type="datetime1">
               <a:rPr lang="en-US" smtClean="0"/>
-              <a:t>8/26/2023</a:t>
+              <a:t>8/27/2023</a:t>
             </a:fld>
             <a:endParaRPr lang="en-US"/>
           </a:p>
@@ -2924,7 +2924,7 @@
           <a:p>
             <a:fld id="{5DA4BC38-6E08-4B57-BCAC-519D639A32AE}" type="datetime1">
               <a:rPr lang="en-US" smtClean="0"/>
-              <a:t>8/26/2023</a:t>
+              <a:t>8/27/2023</a:t>
             </a:fld>
             <a:endParaRPr lang="en-US"/>
           </a:p>
@@ -3411,8 +3411,8 @@
         </p:nvSpPr>
         <p:spPr>
           <a:xfrm>
-            <a:off x="1599917" y="2140046"/>
-            <a:ext cx="5254965" cy="3139321"/>
+            <a:off x="1599116" y="2140046"/>
+            <a:ext cx="5256567" cy="3170099"/>
           </a:xfrm>
           <a:prstGeom prst="rect">
             <a:avLst/>
@@ -3466,7 +3466,7 @@
               <a:t>RV</a:t>
             </a:r>
             <a:r>
-              <a:rPr lang="en-US" sz="1800" dirty="0" smtClean="0">
+              <a:rPr lang="en-US" sz="2000" dirty="0" smtClean="0">
                 <a:latin typeface="Times New Roman" panose="02020603050405020304" pitchFamily="18" charset="0"/>
                 <a:cs typeface="Times New Roman" panose="02020603050405020304" pitchFamily="18" charset="0"/>
               </a:rPr>
@@ -10114,8 +10114,8 @@
         </p:nvSpPr>
         <p:spPr>
           <a:xfrm>
-            <a:off x="1228720" y="521912"/>
-            <a:ext cx="5523061" cy="3323987"/>
+            <a:off x="1228720" y="503440"/>
+            <a:ext cx="5523061" cy="3139321"/>
           </a:xfrm>
           <a:prstGeom prst="rect">
             <a:avLst/>
@@ -10154,7 +10154,20 @@
               <a:rPr lang="en-US" sz="1600" dirty="0" smtClean="0">
                 <a:latin typeface="Georgia" panose="02040502050405020303" pitchFamily="18" charset="0"/>
               </a:rPr>
-              <a:t>Run GCC compiler output HEX file on RV32I core</a:t>
+              <a:t>Run GCC compiler output HEX file on RV</a:t>
+            </a:r>
+            <a:r>
+              <a:rPr lang="en-US" sz="1800" dirty="0" smtClean="0">
+                <a:latin typeface="Times New Roman" panose="02020603050405020304" pitchFamily="18" charset="0"/>
+                <a:cs typeface="Times New Roman" panose="02020603050405020304" pitchFamily="18" charset="0"/>
+              </a:rPr>
+              <a:t>32</a:t>
+            </a:r>
+            <a:r>
+              <a:rPr lang="en-US" sz="1600" dirty="0" smtClean="0">
+                <a:latin typeface="Georgia" panose="02040502050405020303" pitchFamily="18" charset="0"/>
+              </a:rPr>
+              <a:t>I core</a:t>
             </a:r>
           </a:p>
           <a:p>
@@ -10166,8 +10179,17 @@
               <a:rPr lang="en-US" sz="1600" dirty="0" smtClean="0">
                 <a:latin typeface="Georgia" panose="02040502050405020303" pitchFamily="18" charset="0"/>
               </a:rPr>
-              <a:t>Add Multiplier Unit to core</a:t>
-            </a:r>
+              <a:t>Add Multiplier Unit to </a:t>
+            </a:r>
+            <a:r>
+              <a:rPr lang="en-US" sz="1600" dirty="0" smtClean="0">
+                <a:latin typeface="Georgia" panose="02040502050405020303" pitchFamily="18" charset="0"/>
+              </a:rPr>
+              <a:t>core (Approximate Multiplier)</a:t>
+            </a:r>
+            <a:endParaRPr lang="en-US" sz="1600" dirty="0" smtClean="0">
+              <a:latin typeface="Georgia" panose="02040502050405020303" pitchFamily="18" charset="0"/>
+            </a:endParaRPr>
           </a:p>
           <a:p>
             <a:pPr marL="257175" marR="31928" indent="-257175" algn="just">
@@ -10178,19 +10200,38 @@
               <a:rPr lang="en-US" sz="1600" dirty="0" smtClean="0">
                 <a:latin typeface="Georgia" panose="02040502050405020303" pitchFamily="18" charset="0"/>
               </a:rPr>
-              <a:t>Add Fixed-Point Unit to core</a:t>
-            </a:r>
-          </a:p>
-          <a:p>
-            <a:pPr marL="257175" marR="31928" indent="-257175" algn="just">
-              <a:buFont typeface="Arial" panose="020B0604020202020204" pitchFamily="34" charset="0"/>
-              <a:buChar char="•"/>
-            </a:pPr>
+              <a:t>Run </a:t>
+            </a:r>
             <a:r>
               <a:rPr lang="en-US" sz="1600" dirty="0" smtClean="0">
                 <a:latin typeface="Georgia" panose="02040502050405020303" pitchFamily="18" charset="0"/>
               </a:rPr>
-              <a:t>Run GCC compiler output HEX file on RV32IMF core</a:t>
+              <a:t>GCC compiler output HEX file on </a:t>
+            </a:r>
+            <a:r>
+              <a:rPr lang="en-US" sz="1600" dirty="0" smtClean="0">
+                <a:latin typeface="Georgia" panose="02040502050405020303" pitchFamily="18" charset="0"/>
+              </a:rPr>
+              <a:t>RV</a:t>
+            </a:r>
+            <a:r>
+              <a:rPr lang="en-US" sz="1800" dirty="0" smtClean="0">
+                <a:latin typeface="Times New Roman" panose="02020603050405020304" pitchFamily="18" charset="0"/>
+                <a:cs typeface="Times New Roman" panose="02020603050405020304" pitchFamily="18" charset="0"/>
+              </a:rPr>
+              <a:t>32</a:t>
+            </a:r>
+            <a:r>
+              <a:rPr lang="en-US" sz="1600" dirty="0" smtClean="0">
+                <a:latin typeface="Georgia" panose="02040502050405020303" pitchFamily="18" charset="0"/>
+              </a:rPr>
+              <a:t>IM </a:t>
+            </a:r>
+            <a:r>
+              <a:rPr lang="en-US" sz="1600" dirty="0" smtClean="0">
+                <a:latin typeface="Georgia" panose="02040502050405020303" pitchFamily="18" charset="0"/>
+              </a:rPr>
+              <a:t>core</a:t>
             </a:r>
             <a:endParaRPr lang="en-US" sz="1600" dirty="0">
               <a:latin typeface="Georgia" panose="02040502050405020303" pitchFamily="18" charset="0"/>
@@ -10296,8 +10337,8 @@
         </p:nvSpPr>
         <p:spPr>
           <a:xfrm>
-            <a:off x="1228720" y="4029524"/>
-            <a:ext cx="6418989" cy="2400657"/>
+            <a:off x="1228720" y="3805380"/>
+            <a:ext cx="6418989" cy="2369880"/>
           </a:xfrm>
           <a:prstGeom prst="rect">
             <a:avLst/>
@@ -10327,7 +10368,13 @@
               <a:rPr lang="en-US" sz="1600" dirty="0" smtClean="0">
                 <a:latin typeface="Georgia" panose="02040502050405020303" pitchFamily="18" charset="0"/>
               </a:rPr>
-              <a:t>Memory management system</a:t>
+              <a:t>Memory management </a:t>
+            </a:r>
+            <a:r>
+              <a:rPr lang="en-US" sz="1600" dirty="0" smtClean="0">
+                <a:latin typeface="Georgia" panose="02040502050405020303" pitchFamily="18" charset="0"/>
+              </a:rPr>
+              <a:t>system (simulation limitations)</a:t>
             </a:r>
             <a:endParaRPr lang="en-US" sz="1600" dirty="0">
               <a:latin typeface="Georgia" panose="02040502050405020303" pitchFamily="18" charset="0"/>
@@ -10348,7 +10395,19 @@
               <a:rPr lang="en-US" sz="1600" dirty="0" smtClean="0">
                 <a:latin typeface="Georgia" panose="02040502050405020303" pitchFamily="18" charset="0"/>
               </a:rPr>
-              <a:t>Standard synthetize and time analyze tool</a:t>
+              <a:t>Standard synthetize and </a:t>
+            </a:r>
+            <a:r>
+              <a:rPr lang="en-US" sz="1600" dirty="0" smtClean="0">
+                <a:latin typeface="Georgia" panose="02040502050405020303" pitchFamily="18" charset="0"/>
+              </a:rPr>
+              <a:t>static time analyze (STA) </a:t>
+            </a:r>
+            <a:r>
+              <a:rPr lang="en-US" sz="1600" dirty="0" smtClean="0">
+                <a:latin typeface="Georgia" panose="02040502050405020303" pitchFamily="18" charset="0"/>
+              </a:rPr>
+              <a:t>tool</a:t>
             </a:r>
           </a:p>
           <a:p>
@@ -10364,18 +10423,6 @@
             </a:r>
           </a:p>
           <a:p>
-            <a:pPr marL="285750" marR="31928" indent="-285750" algn="just">
-              <a:buFont typeface="Arial" panose="020B0604020202020204" pitchFamily="34" charset="0"/>
-              <a:buChar char="•"/>
-            </a:pPr>
-            <a:r>
-              <a:rPr lang="en-US" sz="1600" dirty="0" smtClean="0">
-                <a:latin typeface="Georgia" panose="02040502050405020303" pitchFamily="18" charset="0"/>
-              </a:rPr>
-              <a:t>Skywater130 and Nangate45 out of reach</a:t>
-            </a:r>
-          </a:p>
-          <a:p>
             <a:pPr marL="640571" marR="31928" lvl="1" indent="-285750" algn="just">
               <a:buFont typeface="Arial" panose="020B0604020202020204" pitchFamily="34" charset="0"/>
               <a:buChar char="•"/>
@@ -10384,7 +10431,13 @@
               <a:rPr lang="en-US" sz="1600" dirty="0" smtClean="0">
                 <a:latin typeface="Georgia" panose="02040502050405020303" pitchFamily="18" charset="0"/>
               </a:rPr>
-              <a:t>Current tools: Yosys, Qflow </a:t>
+              <a:t>Current </a:t>
+            </a:r>
+            <a:r>
+              <a:rPr lang="en-US" sz="1600" dirty="0" smtClean="0">
+                <a:latin typeface="Georgia" panose="02040502050405020303" pitchFamily="18" charset="0"/>
+              </a:rPr>
+              <a:t>tools: Yosys, Qflow </a:t>
             </a:r>
           </a:p>
           <a:p>
@@ -10396,13 +10449,26 @@
               <a:rPr lang="en-US" sz="1600" dirty="0" smtClean="0">
                 <a:latin typeface="Georgia" panose="02040502050405020303" pitchFamily="18" charset="0"/>
               </a:rPr>
-              <a:t>Non-standard technology </a:t>
+              <a:t>TSMC </a:t>
+            </a:r>
+            <a:r>
+              <a:rPr lang="en-US" sz="1600" dirty="0" smtClean="0">
+                <a:latin typeface="Times New Roman" panose="02020603050405020304" pitchFamily="18" charset="0"/>
+                <a:cs typeface="Times New Roman" panose="02020603050405020304" pitchFamily="18" charset="0"/>
+              </a:rPr>
+              <a:t>180</a:t>
             </a:r>
             <a:r>
               <a:rPr lang="en-US" sz="1600" dirty="0" smtClean="0">
                 <a:latin typeface="Georgia" panose="02040502050405020303" pitchFamily="18" charset="0"/>
               </a:rPr>
-              <a:t>(osu</a:t>
+              <a:t>nm </a:t>
+            </a:r>
+            <a:r>
+              <a:rPr lang="en-US" sz="1600" dirty="0" smtClean="0">
+                <a:latin typeface="Georgia" panose="02040502050405020303" pitchFamily="18" charset="0"/>
+              </a:rPr>
+              <a:t>technology (osu</a:t>
             </a:r>
             <a:r>
               <a:rPr lang="en-US" sz="1600" dirty="0" smtClean="0">
@@ -10427,7 +10493,34 @@
               <a:rPr lang="en-US" sz="1600" dirty="0" smtClean="0">
                 <a:latin typeface="Georgia" panose="02040502050405020303" pitchFamily="18" charset="0"/>
               </a:rPr>
-              <a:t>Standard: Cadence, Synopsys</a:t>
+              <a:t>FreePDK45: STA wrong output  + DRC error</a:t>
+            </a:r>
+            <a:endParaRPr lang="en-US" sz="1600" dirty="0" smtClean="0">
+              <a:latin typeface="Georgia" panose="02040502050405020303" pitchFamily="18" charset="0"/>
+            </a:endParaRPr>
+          </a:p>
+          <a:p>
+            <a:pPr marL="640571" marR="31928" lvl="1" indent="-285750" algn="just">
+              <a:buFont typeface="Arial" panose="020B0604020202020204" pitchFamily="34" charset="0"/>
+              <a:buChar char="•"/>
+            </a:pPr>
+            <a:r>
+              <a:rPr lang="en-US" sz="1600" dirty="0" smtClean="0">
+                <a:latin typeface="Georgia" panose="02040502050405020303" pitchFamily="18" charset="0"/>
+              </a:rPr>
+              <a:t>Standard tools: </a:t>
+            </a:r>
+            <a:r>
+              <a:rPr lang="en-US" sz="1600" dirty="0" smtClean="0">
+                <a:latin typeface="Georgia" panose="02040502050405020303" pitchFamily="18" charset="0"/>
+              </a:rPr>
+              <a:t>Cadence, </a:t>
+            </a:r>
+            <a:r>
+              <a:rPr lang="en-US" sz="1600" dirty="0" smtClean="0">
+                <a:latin typeface="Georgia" panose="02040502050405020303" pitchFamily="18" charset="0"/>
+              </a:rPr>
+              <a:t>Synopsys</a:t>
             </a:r>
           </a:p>
         </p:txBody>

--- a/Documents/RV32 CPU Design - August 27th.pptx
+++ b/Documents/RV32 CPU Design - August 27th.pptx
@@ -3430,20 +3430,11 @@
               <a:rPr lang="en-US" sz="1800" dirty="0" smtClean="0">
                 <a:latin typeface="Georgia" panose="02040502050405020303" pitchFamily="18" charset="0"/>
               </a:rPr>
-              <a:t>Updates until August 27</a:t>
-            </a:r>
-            <a:r>
-              <a:rPr lang="en-US" sz="1800" baseline="30000" dirty="0" smtClean="0">
-                <a:latin typeface="Georgia" panose="02040502050405020303" pitchFamily="18" charset="0"/>
-              </a:rPr>
-              <a:t>th</a:t>
-            </a:r>
-            <a:r>
-              <a:rPr lang="en-US" sz="1800" dirty="0" smtClean="0">
-                <a:latin typeface="Georgia" panose="02040502050405020303" pitchFamily="18" charset="0"/>
-              </a:rPr>
-              <a:t>: </a:t>
-            </a:r>
+              <a:t>Updates: </a:t>
+            </a:r>
+            <a:endParaRPr lang="en-US" sz="1800" dirty="0" smtClean="0">
+              <a:latin typeface="Georgia" panose="02040502050405020303" pitchFamily="18" charset="0"/>
+            </a:endParaRPr>
           </a:p>
           <a:p>
             <a:pPr marL="285750" indent="-285750" algn="just">
@@ -10179,17 +10170,8 @@
               <a:rPr lang="en-US" sz="1600" dirty="0" smtClean="0">
                 <a:latin typeface="Georgia" panose="02040502050405020303" pitchFamily="18" charset="0"/>
               </a:rPr>
-              <a:t>Add Multiplier Unit to </a:t>
-            </a:r>
-            <a:r>
-              <a:rPr lang="en-US" sz="1600" dirty="0" smtClean="0">
-                <a:latin typeface="Georgia" panose="02040502050405020303" pitchFamily="18" charset="0"/>
-              </a:rPr>
-              <a:t>core (Approximate Multiplier)</a:t>
-            </a:r>
-            <a:endParaRPr lang="en-US" sz="1600" dirty="0" smtClean="0">
-              <a:latin typeface="Georgia" panose="02040502050405020303" pitchFamily="18" charset="0"/>
-            </a:endParaRPr>
+              <a:t>Add Multiplier Unit to core (Approximate Multiplier)</a:t>
+            </a:r>
           </a:p>
           <a:p>
             <a:pPr marL="257175" marR="31928" indent="-257175" algn="just">
@@ -10200,19 +10182,7 @@
               <a:rPr lang="en-US" sz="1600" dirty="0" smtClean="0">
                 <a:latin typeface="Georgia" panose="02040502050405020303" pitchFamily="18" charset="0"/>
               </a:rPr>
-              <a:t>Run </a:t>
-            </a:r>
-            <a:r>
-              <a:rPr lang="en-US" sz="1600" dirty="0" smtClean="0">
-                <a:latin typeface="Georgia" panose="02040502050405020303" pitchFamily="18" charset="0"/>
-              </a:rPr>
-              <a:t>GCC compiler output HEX file on </a:t>
-            </a:r>
-            <a:r>
-              <a:rPr lang="en-US" sz="1600" dirty="0" smtClean="0">
-                <a:latin typeface="Georgia" panose="02040502050405020303" pitchFamily="18" charset="0"/>
-              </a:rPr>
-              <a:t>RV</a:t>
+              <a:t>Run GCC compiler output HEX file on RV</a:t>
             </a:r>
             <a:r>
               <a:rPr lang="en-US" sz="1800" dirty="0" smtClean="0">
@@ -10225,13 +10195,7 @@
               <a:rPr lang="en-US" sz="1600" dirty="0" smtClean="0">
                 <a:latin typeface="Georgia" panose="02040502050405020303" pitchFamily="18" charset="0"/>
               </a:rPr>
-              <a:t>IM </a:t>
-            </a:r>
-            <a:r>
-              <a:rPr lang="en-US" sz="1600" dirty="0" smtClean="0">
-                <a:latin typeface="Georgia" panose="02040502050405020303" pitchFamily="18" charset="0"/>
-              </a:rPr>
-              <a:t>core</a:t>
+              <a:t>IM core</a:t>
             </a:r>
             <a:endParaRPr lang="en-US" sz="1600" dirty="0">
               <a:latin typeface="Georgia" panose="02040502050405020303" pitchFamily="18" charset="0"/>
@@ -10338,7 +10302,7 @@
         <p:spPr>
           <a:xfrm>
             <a:off x="1228720" y="3805380"/>
-            <a:ext cx="6418989" cy="2369880"/>
+            <a:ext cx="6418989" cy="2400657"/>
           </a:xfrm>
           <a:prstGeom prst="rect">
             <a:avLst/>
@@ -10368,13 +10332,7 @@
               <a:rPr lang="en-US" sz="1600" dirty="0" smtClean="0">
                 <a:latin typeface="Georgia" panose="02040502050405020303" pitchFamily="18" charset="0"/>
               </a:rPr>
-              <a:t>Memory management </a:t>
-            </a:r>
-            <a:r>
-              <a:rPr lang="en-US" sz="1600" dirty="0" smtClean="0">
-                <a:latin typeface="Georgia" panose="02040502050405020303" pitchFamily="18" charset="0"/>
-              </a:rPr>
-              <a:t>system (simulation limitations)</a:t>
+              <a:t>Memory management system (simulation limitations)</a:t>
             </a:r>
             <a:endParaRPr lang="en-US" sz="1600" dirty="0">
               <a:latin typeface="Georgia" panose="02040502050405020303" pitchFamily="18" charset="0"/>
@@ -10395,19 +10353,7 @@
               <a:rPr lang="en-US" sz="1600" dirty="0" smtClean="0">
                 <a:latin typeface="Georgia" panose="02040502050405020303" pitchFamily="18" charset="0"/>
               </a:rPr>
-              <a:t>Standard synthetize and </a:t>
-            </a:r>
-            <a:r>
-              <a:rPr lang="en-US" sz="1600" dirty="0" smtClean="0">
-                <a:latin typeface="Georgia" panose="02040502050405020303" pitchFamily="18" charset="0"/>
-              </a:rPr>
-              <a:t>static time analyze (STA) </a:t>
-            </a:r>
-            <a:r>
-              <a:rPr lang="en-US" sz="1600" dirty="0" smtClean="0">
-                <a:latin typeface="Georgia" panose="02040502050405020303" pitchFamily="18" charset="0"/>
-              </a:rPr>
-              <a:t>tool</a:t>
+              <a:t>Standard synthetize and static time analyze (STA) tool</a:t>
             </a:r>
           </a:p>
           <a:p>
@@ -10431,13 +10377,7 @@
               <a:rPr lang="en-US" sz="1600" dirty="0" smtClean="0">
                 <a:latin typeface="Georgia" panose="02040502050405020303" pitchFamily="18" charset="0"/>
               </a:rPr>
-              <a:t>Current </a:t>
-            </a:r>
-            <a:r>
-              <a:rPr lang="en-US" sz="1600" dirty="0" smtClean="0">
-                <a:latin typeface="Georgia" panose="02040502050405020303" pitchFamily="18" charset="0"/>
-              </a:rPr>
-              <a:t>tools: Yosys, Qflow </a:t>
+              <a:t>Current tools: Yosys, Qflow </a:t>
             </a:r>
           </a:p>
           <a:p>
@@ -10462,13 +10402,7 @@
               <a:rPr lang="en-US" sz="1600" dirty="0" smtClean="0">
                 <a:latin typeface="Georgia" panose="02040502050405020303" pitchFamily="18" charset="0"/>
               </a:rPr>
-              <a:t>nm </a:t>
-            </a:r>
-            <a:r>
-              <a:rPr lang="en-US" sz="1600" dirty="0" smtClean="0">
-                <a:latin typeface="Georgia" panose="02040502050405020303" pitchFamily="18" charset="0"/>
-              </a:rPr>
-              <a:t>technology (osu</a:t>
+              <a:t>nm technology (osu</a:t>
             </a:r>
             <a:r>
               <a:rPr lang="en-US" sz="1600" dirty="0" smtClean="0">
@@ -10493,11 +10427,21 @@
               <a:rPr lang="en-US" sz="1600" dirty="0" smtClean="0">
                 <a:latin typeface="Georgia" panose="02040502050405020303" pitchFamily="18" charset="0"/>
               </a:rPr>
-              <a:t>FreePDK45: STA wrong output  + DRC error</a:t>
-            </a:r>
-            <a:endParaRPr lang="en-US" sz="1600" dirty="0" smtClean="0">
-              <a:latin typeface="Georgia" panose="02040502050405020303" pitchFamily="18" charset="0"/>
-            </a:endParaRPr>
+              <a:t>FreePDK</a:t>
+            </a:r>
+            <a:r>
+              <a:rPr lang="en-US" sz="1800" dirty="0" smtClean="0">
+                <a:latin typeface="Times New Roman" panose="02020603050405020304" pitchFamily="18" charset="0"/>
+                <a:cs typeface="Times New Roman" panose="02020603050405020304" pitchFamily="18" charset="0"/>
+              </a:rPr>
+              <a:t>45</a:t>
+            </a:r>
+            <a:r>
+              <a:rPr lang="en-US" sz="1600" dirty="0" smtClean="0">
+                <a:latin typeface="Georgia" panose="02040502050405020303" pitchFamily="18" charset="0"/>
+              </a:rPr>
+              <a:t>: STA wrong output  + DRC error</a:t>
+            </a:r>
           </a:p>
           <a:p>
             <a:pPr marL="640571" marR="31928" lvl="1" indent="-285750" algn="just">
@@ -10508,19 +10452,7 @@
               <a:rPr lang="en-US" sz="1600" dirty="0" smtClean="0">
                 <a:latin typeface="Georgia" panose="02040502050405020303" pitchFamily="18" charset="0"/>
               </a:rPr>
-              <a:t>Standard tools: </a:t>
-            </a:r>
-            <a:r>
-              <a:rPr lang="en-US" sz="1600" dirty="0" smtClean="0">
-                <a:latin typeface="Georgia" panose="02040502050405020303" pitchFamily="18" charset="0"/>
-              </a:rPr>
-              <a:t>Cadence, </a:t>
-            </a:r>
-            <a:r>
-              <a:rPr lang="en-US" sz="1600" dirty="0" smtClean="0">
-                <a:latin typeface="Georgia" panose="02040502050405020303" pitchFamily="18" charset="0"/>
-              </a:rPr>
-              <a:t>Synopsys</a:t>
+              <a:t>Standard tools: Cadence, Synopsys</a:t>
             </a:r>
           </a:p>
         </p:txBody>
